--- a/docs/diagrams/ArchitectureDiagram.pptx
+++ b/docs/diagrams/ArchitectureDiagram.pptx
@@ -5,10 +5,11 @@
     <p:sldMasterId id="2147483648" r:id="rId1"/>
   </p:sldMasterIdLst>
   <p:notesMasterIdLst>
-    <p:notesMasterId r:id="rId3"/>
+    <p:notesMasterId r:id="rId4"/>
   </p:notesMasterIdLst>
   <p:sldIdLst>
     <p:sldId id="259" r:id="rId2"/>
+    <p:sldId id="260" r:id="rId3"/>
   </p:sldIdLst>
   <p:sldSz cx="9144000" cy="6858000" type="screen4x3"/>
   <p:notesSz cx="6858000" cy="9144000"/>
@@ -107,6 +108,22 @@
       </a:defRPr>
     </a:lvl9pPr>
   </p:defaultTextStyle>
+  <p:extLst>
+    <p:ext uri="{EFAFB233-063F-42B5-8137-9DF3F51BA10A}">
+      <p15:sldGuideLst xmlns:p15="http://schemas.microsoft.com/office/powerpoint/2012/main">
+        <p15:guide id="1" orient="horz" pos="1488">
+          <p15:clr>
+            <a:srgbClr val="A4A3A4"/>
+          </p15:clr>
+        </p15:guide>
+        <p15:guide id="2" pos="2880">
+          <p15:clr>
+            <a:srgbClr val="A4A3A4"/>
+          </p15:clr>
+        </p15:guide>
+      </p15:sldGuideLst>
+    </p:ext>
+  </p:extLst>
 </p:presentation>
 </file>
 
@@ -192,7 +209,7 @@
           <a:p>
             <a:fld id="{F5CC4B3F-88C1-4FFA-B1B6-F41C21DC6924}" type="datetimeFigureOut">
               <a:rPr lang="en-US" smtClean="0"/>
-              <a:t>10/16/2016</a:t>
+              <a:t>10/24/17</a:t>
             </a:fld>
             <a:endParaRPr lang="en-US"/>
           </a:p>
@@ -641,7 +658,7 @@
           <a:p>
             <a:fld id="{78C97017-6FC3-485B-9764-EAC9E56C1D49}" type="datetimeFigureOut">
               <a:rPr lang="en-US" smtClean="0"/>
-              <a:t>10/16/2016</a:t>
+              <a:t>10/24/17</a:t>
             </a:fld>
             <a:endParaRPr lang="en-US"/>
           </a:p>
@@ -811,7 +828,7 @@
           <a:p>
             <a:fld id="{78C97017-6FC3-485B-9764-EAC9E56C1D49}" type="datetimeFigureOut">
               <a:rPr lang="en-US" smtClean="0"/>
-              <a:t>10/16/2016</a:t>
+              <a:t>10/24/17</a:t>
             </a:fld>
             <a:endParaRPr lang="en-US"/>
           </a:p>
@@ -991,7 +1008,7 @@
           <a:p>
             <a:fld id="{78C97017-6FC3-485B-9764-EAC9E56C1D49}" type="datetimeFigureOut">
               <a:rPr lang="en-US" smtClean="0"/>
-              <a:t>10/16/2016</a:t>
+              <a:t>10/24/17</a:t>
             </a:fld>
             <a:endParaRPr lang="en-US"/>
           </a:p>
@@ -1161,7 +1178,7 @@
           <a:p>
             <a:fld id="{78C97017-6FC3-485B-9764-EAC9E56C1D49}" type="datetimeFigureOut">
               <a:rPr lang="en-US" smtClean="0"/>
-              <a:t>10/16/2016</a:t>
+              <a:t>10/24/17</a:t>
             </a:fld>
             <a:endParaRPr lang="en-US"/>
           </a:p>
@@ -1407,7 +1424,7 @@
           <a:p>
             <a:fld id="{78C97017-6FC3-485B-9764-EAC9E56C1D49}" type="datetimeFigureOut">
               <a:rPr lang="en-US" smtClean="0"/>
-              <a:t>10/16/2016</a:t>
+              <a:t>10/24/17</a:t>
             </a:fld>
             <a:endParaRPr lang="en-US"/>
           </a:p>
@@ -1695,7 +1712,7 @@
           <a:p>
             <a:fld id="{78C97017-6FC3-485B-9764-EAC9E56C1D49}" type="datetimeFigureOut">
               <a:rPr lang="en-US" smtClean="0"/>
-              <a:t>10/16/2016</a:t>
+              <a:t>10/24/17</a:t>
             </a:fld>
             <a:endParaRPr lang="en-US"/>
           </a:p>
@@ -2117,7 +2134,7 @@
           <a:p>
             <a:fld id="{78C97017-6FC3-485B-9764-EAC9E56C1D49}" type="datetimeFigureOut">
               <a:rPr lang="en-US" smtClean="0"/>
-              <a:t>10/16/2016</a:t>
+              <a:t>10/24/17</a:t>
             </a:fld>
             <a:endParaRPr lang="en-US"/>
           </a:p>
@@ -2235,7 +2252,7 @@
           <a:p>
             <a:fld id="{78C97017-6FC3-485B-9764-EAC9E56C1D49}" type="datetimeFigureOut">
               <a:rPr lang="en-US" smtClean="0"/>
-              <a:t>10/16/2016</a:t>
+              <a:t>10/24/17</a:t>
             </a:fld>
             <a:endParaRPr lang="en-US"/>
           </a:p>
@@ -2330,7 +2347,7 @@
           <a:p>
             <a:fld id="{78C97017-6FC3-485B-9764-EAC9E56C1D49}" type="datetimeFigureOut">
               <a:rPr lang="en-US" smtClean="0"/>
-              <a:t>10/16/2016</a:t>
+              <a:t>10/24/17</a:t>
             </a:fld>
             <a:endParaRPr lang="en-US"/>
           </a:p>
@@ -2607,7 +2624,7 @@
           <a:p>
             <a:fld id="{78C97017-6FC3-485B-9764-EAC9E56C1D49}" type="datetimeFigureOut">
               <a:rPr lang="en-US" smtClean="0"/>
-              <a:t>10/16/2016</a:t>
+              <a:t>10/24/17</a:t>
             </a:fld>
             <a:endParaRPr lang="en-US"/>
           </a:p>
@@ -2860,7 +2877,7 @@
           <a:p>
             <a:fld id="{78C97017-6FC3-485B-9764-EAC9E56C1D49}" type="datetimeFigureOut">
               <a:rPr lang="en-US" smtClean="0"/>
-              <a:t>10/16/2016</a:t>
+              <a:t>10/24/17</a:t>
             </a:fld>
             <a:endParaRPr lang="en-US"/>
           </a:p>
@@ -3073,7 +3090,7 @@
           <a:p>
             <a:fld id="{78C97017-6FC3-485B-9764-EAC9E56C1D49}" type="datetimeFigureOut">
               <a:rPr lang="en-US" smtClean="0"/>
-              <a:t>10/16/2016</a:t>
+              <a:t>10/24/17</a:t>
             </a:fld>
             <a:endParaRPr lang="en-US"/>
           </a:p>
@@ -4777,6 +4794,1391 @@
     <p:extLst>
       <p:ext uri="{BB962C8B-B14F-4D97-AF65-F5344CB8AC3E}">
         <p14:creationId xmlns:p14="http://schemas.microsoft.com/office/powerpoint/2010/main" val="1981432603"/>
+      </p:ext>
+    </p:extLst>
+  </p:cSld>
+  <p:clrMapOvr>
+    <a:masterClrMapping/>
+  </p:clrMapOvr>
+</p:sld>
+</file>
+
+<file path=ppt/slides/slide2.xml><?xml version="1.0" encoding="utf-8"?>
+<p:sld xmlns:a="http://schemas.openxmlformats.org/drawingml/2006/main" xmlns:r="http://schemas.openxmlformats.org/officeDocument/2006/relationships" xmlns:p="http://schemas.openxmlformats.org/presentationml/2006/main">
+  <p:cSld>
+    <p:spTree>
+      <p:nvGrpSpPr>
+        <p:cNvPr id="1" name=""/>
+        <p:cNvGrpSpPr/>
+        <p:nvPr/>
+      </p:nvGrpSpPr>
+      <p:grpSpPr>
+        <a:xfrm>
+          <a:off x="0" y="0"/>
+          <a:ext cx="0" cy="0"/>
+          <a:chOff x="0" y="0"/>
+          <a:chExt cx="0" cy="0"/>
+        </a:xfrm>
+      </p:grpSpPr>
+      <p:sp>
+        <p:nvSpPr>
+          <p:cNvPr id="49" name="Rounded Rectangle 48"/>
+          <p:cNvSpPr/>
+          <p:nvPr/>
+        </p:nvSpPr>
+        <p:spPr>
+          <a:xfrm>
+            <a:off x="775595" y="1358885"/>
+            <a:ext cx="7399113" cy="5156659"/>
+          </a:xfrm>
+          <a:prstGeom prst="roundRect">
+            <a:avLst/>
+          </a:prstGeom>
+          <a:solidFill>
+            <a:schemeClr val="bg1">
+              <a:lumMod val="85000"/>
+            </a:schemeClr>
+          </a:solidFill>
+        </p:spPr>
+        <p:style>
+          <a:lnRef idx="2">
+            <a:schemeClr val="accent1">
+              <a:shade val="50000"/>
+            </a:schemeClr>
+          </a:lnRef>
+          <a:fillRef idx="1">
+            <a:schemeClr val="accent1"/>
+          </a:fillRef>
+          <a:effectRef idx="0">
+            <a:schemeClr val="accent1"/>
+          </a:effectRef>
+          <a:fontRef idx="minor">
+            <a:schemeClr val="lt1"/>
+          </a:fontRef>
+        </p:style>
+        <p:txBody>
+          <a:bodyPr rtlCol="0" anchor="ctr"/>
+          <a:lstStyle/>
+          <a:p>
+            <a:pPr algn="ctr"/>
+            <a:endParaRPr lang="en-US">
+              <a:solidFill>
+                <a:srgbClr val="FF0000"/>
+              </a:solidFill>
+            </a:endParaRPr>
+          </a:p>
+        </p:txBody>
+      </p:sp>
+      <p:sp>
+        <p:nvSpPr>
+          <p:cNvPr id="50" name="Smiley Face 49"/>
+          <p:cNvSpPr/>
+          <p:nvPr/>
+        </p:nvSpPr>
+        <p:spPr>
+          <a:xfrm>
+            <a:off x="58361" y="2723418"/>
+            <a:ext cx="662471" cy="673778"/>
+          </a:xfrm>
+          <a:prstGeom prst="smileyFace">
+            <a:avLst/>
+          </a:prstGeom>
+          <a:solidFill>
+            <a:schemeClr val="bg1"/>
+          </a:solidFill>
+          <a:ln>
+            <a:solidFill>
+              <a:schemeClr val="tx1"/>
+            </a:solidFill>
+          </a:ln>
+        </p:spPr>
+        <p:style>
+          <a:lnRef idx="2">
+            <a:schemeClr val="accent1">
+              <a:shade val="50000"/>
+            </a:schemeClr>
+          </a:lnRef>
+          <a:fillRef idx="1">
+            <a:schemeClr val="accent1"/>
+          </a:fillRef>
+          <a:effectRef idx="0">
+            <a:schemeClr val="accent1"/>
+          </a:effectRef>
+          <a:fontRef idx="minor">
+            <a:schemeClr val="lt1"/>
+          </a:fontRef>
+        </p:style>
+        <p:txBody>
+          <a:bodyPr rtlCol="0" anchor="ctr"/>
+          <a:lstStyle/>
+          <a:p>
+            <a:pPr algn="ctr"/>
+            <a:endParaRPr lang="en-US"/>
+          </a:p>
+        </p:txBody>
+      </p:sp>
+      <p:grpSp>
+        <p:nvGrpSpPr>
+          <p:cNvPr id="51" name="Group 50"/>
+          <p:cNvGrpSpPr/>
+          <p:nvPr/>
+        </p:nvGrpSpPr>
+        <p:grpSpPr>
+          <a:xfrm>
+            <a:off x="8352836" y="2050506"/>
+            <a:ext cx="744279" cy="909083"/>
+            <a:chOff x="10887739" y="2083981"/>
+            <a:chExt cx="978194" cy="951614"/>
+          </a:xfrm>
+        </p:grpSpPr>
+        <p:sp>
+          <p:nvSpPr>
+            <p:cNvPr id="52" name="Folded Corner 51"/>
+            <p:cNvSpPr/>
+            <p:nvPr/>
+          </p:nvSpPr>
+          <p:spPr>
+            <a:xfrm>
+              <a:off x="10887739" y="2083981"/>
+              <a:ext cx="744279" cy="776177"/>
+            </a:xfrm>
+            <a:prstGeom prst="foldedCorner">
+              <a:avLst/>
+            </a:prstGeom>
+            <a:solidFill>
+              <a:schemeClr val="bg1"/>
+            </a:solidFill>
+          </p:spPr>
+          <p:style>
+            <a:lnRef idx="2">
+              <a:schemeClr val="accent1">
+                <a:shade val="50000"/>
+              </a:schemeClr>
+            </a:lnRef>
+            <a:fillRef idx="1">
+              <a:schemeClr val="accent1"/>
+            </a:fillRef>
+            <a:effectRef idx="0">
+              <a:schemeClr val="accent1"/>
+            </a:effectRef>
+            <a:fontRef idx="minor">
+              <a:schemeClr val="lt1"/>
+            </a:fontRef>
+          </p:style>
+          <p:txBody>
+            <a:bodyPr rtlCol="0" anchor="ctr"/>
+            <a:lstStyle/>
+            <a:p>
+              <a:pPr algn="ctr"/>
+              <a:endParaRPr lang="en-US"/>
+            </a:p>
+          </p:txBody>
+        </p:sp>
+        <p:sp>
+          <p:nvSpPr>
+            <p:cNvPr id="53" name="Folded Corner 52"/>
+            <p:cNvSpPr/>
+            <p:nvPr/>
+          </p:nvSpPr>
+          <p:spPr>
+            <a:xfrm>
+              <a:off x="11121654" y="2259418"/>
+              <a:ext cx="744279" cy="776177"/>
+            </a:xfrm>
+            <a:prstGeom prst="foldedCorner">
+              <a:avLst/>
+            </a:prstGeom>
+            <a:solidFill>
+              <a:schemeClr val="bg1"/>
+            </a:solidFill>
+          </p:spPr>
+          <p:style>
+            <a:lnRef idx="2">
+              <a:schemeClr val="accent1">
+                <a:shade val="50000"/>
+              </a:schemeClr>
+            </a:lnRef>
+            <a:fillRef idx="1">
+              <a:schemeClr val="accent1"/>
+            </a:fillRef>
+            <a:effectRef idx="0">
+              <a:schemeClr val="accent1"/>
+            </a:effectRef>
+            <a:fontRef idx="minor">
+              <a:schemeClr val="lt1"/>
+            </a:fontRef>
+          </p:style>
+          <p:txBody>
+            <a:bodyPr rtlCol="0" anchor="ctr"/>
+            <a:lstStyle/>
+            <a:p>
+              <a:pPr algn="ctr"/>
+              <a:endParaRPr lang="en-US"/>
+            </a:p>
+          </p:txBody>
+        </p:sp>
+      </p:grpSp>
+      <p:sp>
+        <p:nvSpPr>
+          <p:cNvPr id="55" name="Rounded Rectangle 54"/>
+          <p:cNvSpPr/>
+          <p:nvPr/>
+        </p:nvSpPr>
+        <p:spPr>
+          <a:xfrm rot="5400000">
+            <a:off x="1185750" y="4697622"/>
+            <a:ext cx="988827" cy="1360967"/>
+          </a:xfrm>
+          <a:prstGeom prst="roundRect">
+            <a:avLst/>
+          </a:prstGeom>
+          <a:solidFill>
+            <a:srgbClr val="FF0000"/>
+          </a:solidFill>
+        </p:spPr>
+        <p:style>
+          <a:lnRef idx="2">
+            <a:schemeClr val="accent1">
+              <a:shade val="50000"/>
+            </a:schemeClr>
+          </a:lnRef>
+          <a:fillRef idx="1">
+            <a:schemeClr val="accent1"/>
+          </a:fillRef>
+          <a:effectRef idx="0">
+            <a:schemeClr val="accent1"/>
+          </a:effectRef>
+          <a:fontRef idx="minor">
+            <a:schemeClr val="lt1"/>
+          </a:fontRef>
+        </p:style>
+        <p:txBody>
+          <a:bodyPr vert="vert270" rtlCol="0" anchor="ctr"/>
+          <a:lstStyle/>
+          <a:p>
+            <a:pPr algn="ctr"/>
+            <a:r>
+              <a:rPr lang="en-US" sz="2800" dirty="0" smtClean="0">
+                <a:solidFill>
+                  <a:schemeClr val="bg1"/>
+                </a:solidFill>
+              </a:rPr>
+              <a:t>Main</a:t>
+            </a:r>
+            <a:endParaRPr lang="en-US" sz="2800" dirty="0">
+              <a:solidFill>
+                <a:schemeClr val="bg1"/>
+              </a:solidFill>
+            </a:endParaRPr>
+          </a:p>
+        </p:txBody>
+      </p:sp>
+      <p:sp>
+        <p:nvSpPr>
+          <p:cNvPr id="56" name="Rounded Rectangle 55"/>
+          <p:cNvSpPr/>
+          <p:nvPr/>
+        </p:nvSpPr>
+        <p:spPr>
+          <a:xfrm rot="5400000">
+            <a:off x="4296075" y="4030698"/>
+            <a:ext cx="962245" cy="3169572"/>
+          </a:xfrm>
+          <a:prstGeom prst="roundRect">
+            <a:avLst/>
+          </a:prstGeom>
+          <a:solidFill>
+            <a:srgbClr val="2997A1"/>
+          </a:solidFill>
+        </p:spPr>
+        <p:style>
+          <a:lnRef idx="2">
+            <a:schemeClr val="accent1">
+              <a:shade val="50000"/>
+            </a:schemeClr>
+          </a:lnRef>
+          <a:fillRef idx="1">
+            <a:schemeClr val="accent1"/>
+          </a:fillRef>
+          <a:effectRef idx="0">
+            <a:schemeClr val="accent1"/>
+          </a:effectRef>
+          <a:fontRef idx="minor">
+            <a:schemeClr val="lt1"/>
+          </a:fontRef>
+        </p:style>
+        <p:txBody>
+          <a:bodyPr vert="vert270" rtlCol="0" anchor="ctr"/>
+          <a:lstStyle/>
+          <a:p>
+            <a:pPr algn="ctr"/>
+            <a:r>
+              <a:rPr lang="en-US" sz="2800" dirty="0" smtClean="0"/>
+              <a:t>Commons</a:t>
+            </a:r>
+            <a:endParaRPr lang="en-US" sz="2800" dirty="0"/>
+          </a:p>
+        </p:txBody>
+      </p:sp>
+      <p:sp>
+        <p:nvSpPr>
+          <p:cNvPr id="57" name="Rounded Rectangle 56"/>
+          <p:cNvSpPr/>
+          <p:nvPr/>
+        </p:nvSpPr>
+        <p:spPr>
+          <a:xfrm rot="5400000">
+            <a:off x="2895659" y="3073115"/>
+            <a:ext cx="900574" cy="1385439"/>
+          </a:xfrm>
+          <a:prstGeom prst="roundRect">
+            <a:avLst/>
+          </a:prstGeom>
+          <a:solidFill>
+            <a:srgbClr val="7030A0"/>
+          </a:solidFill>
+        </p:spPr>
+        <p:style>
+          <a:lnRef idx="2">
+            <a:schemeClr val="accent1">
+              <a:shade val="50000"/>
+            </a:schemeClr>
+          </a:lnRef>
+          <a:fillRef idx="1">
+            <a:schemeClr val="accent1"/>
+          </a:fillRef>
+          <a:effectRef idx="0">
+            <a:schemeClr val="accent1"/>
+          </a:effectRef>
+          <a:fontRef idx="minor">
+            <a:schemeClr val="lt1"/>
+          </a:fontRef>
+        </p:style>
+        <p:txBody>
+          <a:bodyPr vert="vert270" rtlCol="0" anchor="ctr"/>
+          <a:lstStyle/>
+          <a:p>
+            <a:pPr algn="ctr"/>
+            <a:r>
+              <a:rPr lang="en-US" sz="2800" dirty="0" smtClean="0"/>
+              <a:t>Model</a:t>
+            </a:r>
+            <a:endParaRPr lang="en-US" sz="2800" dirty="0"/>
+          </a:p>
+        </p:txBody>
+      </p:sp>
+      <p:sp>
+        <p:nvSpPr>
+          <p:cNvPr id="59" name="Rounded Rectangle 58"/>
+          <p:cNvSpPr/>
+          <p:nvPr/>
+        </p:nvSpPr>
+        <p:spPr>
+          <a:xfrm rot="5400000">
+            <a:off x="5404977" y="1584822"/>
+            <a:ext cx="936382" cy="1771152"/>
+          </a:xfrm>
+          <a:prstGeom prst="roundRect">
+            <a:avLst/>
+          </a:prstGeom>
+          <a:solidFill>
+            <a:schemeClr val="accent2"/>
+          </a:solidFill>
+        </p:spPr>
+        <p:style>
+          <a:lnRef idx="2">
+            <a:schemeClr val="accent1">
+              <a:shade val="50000"/>
+            </a:schemeClr>
+          </a:lnRef>
+          <a:fillRef idx="1">
+            <a:schemeClr val="accent1"/>
+          </a:fillRef>
+          <a:effectRef idx="0">
+            <a:schemeClr val="accent1"/>
+          </a:effectRef>
+          <a:fontRef idx="minor">
+            <a:schemeClr val="lt1"/>
+          </a:fontRef>
+        </p:style>
+        <p:txBody>
+          <a:bodyPr vert="vert270" rtlCol="0" anchor="ctr"/>
+          <a:lstStyle/>
+          <a:p>
+            <a:pPr algn="ctr"/>
+            <a:r>
+              <a:rPr lang="en-US" sz="2800" dirty="0" smtClean="0"/>
+              <a:t>Storage</a:t>
+            </a:r>
+            <a:endParaRPr lang="en-US" sz="2800" dirty="0"/>
+          </a:p>
+        </p:txBody>
+      </p:sp>
+      <p:sp>
+        <p:nvSpPr>
+          <p:cNvPr id="60" name="Cloud 59"/>
+          <p:cNvSpPr/>
+          <p:nvPr/>
+        </p:nvSpPr>
+        <p:spPr>
+          <a:xfrm>
+            <a:off x="3011687" y="166844"/>
+            <a:ext cx="1275907" cy="866552"/>
+          </a:xfrm>
+          <a:prstGeom prst="cloud">
+            <a:avLst/>
+          </a:prstGeom>
+          <a:solidFill>
+            <a:schemeClr val="bg1"/>
+          </a:solidFill>
+        </p:spPr>
+        <p:style>
+          <a:lnRef idx="2">
+            <a:schemeClr val="accent1">
+              <a:shade val="50000"/>
+            </a:schemeClr>
+          </a:lnRef>
+          <a:fillRef idx="1">
+            <a:schemeClr val="accent1"/>
+          </a:fillRef>
+          <a:effectRef idx="0">
+            <a:schemeClr val="accent1"/>
+          </a:effectRef>
+          <a:fontRef idx="minor">
+            <a:schemeClr val="lt1"/>
+          </a:fontRef>
+        </p:style>
+        <p:txBody>
+          <a:bodyPr rtlCol="0" anchor="ctr"/>
+          <a:lstStyle/>
+          <a:p>
+            <a:pPr algn="ctr"/>
+            <a:r>
+              <a:rPr lang="en-US" sz="2400" dirty="0" smtClean="0">
+                <a:solidFill>
+                  <a:schemeClr val="tx1"/>
+                </a:solidFill>
+              </a:rPr>
+              <a:t>Web</a:t>
+            </a:r>
+            <a:endParaRPr lang="en-US" sz="2400" dirty="0">
+              <a:solidFill>
+                <a:schemeClr val="tx1"/>
+              </a:solidFill>
+            </a:endParaRPr>
+          </a:p>
+        </p:txBody>
+      </p:sp>
+      <p:sp>
+        <p:nvSpPr>
+          <p:cNvPr id="62" name="Rounded Rectangle 61"/>
+          <p:cNvSpPr/>
+          <p:nvPr/>
+        </p:nvSpPr>
+        <p:spPr>
+          <a:xfrm>
+            <a:off x="4448280" y="3249666"/>
+            <a:ext cx="1266720" cy="1063250"/>
+          </a:xfrm>
+          <a:prstGeom prst="roundRect">
+            <a:avLst/>
+          </a:prstGeom>
+          <a:solidFill>
+            <a:srgbClr val="FFFF00"/>
+          </a:solidFill>
+        </p:spPr>
+        <p:style>
+          <a:lnRef idx="2">
+            <a:schemeClr val="accent1">
+              <a:shade val="50000"/>
+            </a:schemeClr>
+          </a:lnRef>
+          <a:fillRef idx="1">
+            <a:schemeClr val="accent1"/>
+          </a:fillRef>
+          <a:effectRef idx="0">
+            <a:schemeClr val="accent1"/>
+          </a:effectRef>
+          <a:fontRef idx="minor">
+            <a:schemeClr val="lt1"/>
+          </a:fontRef>
+        </p:style>
+        <p:txBody>
+          <a:bodyPr rtlCol="0" anchor="ctr"/>
+          <a:lstStyle/>
+          <a:p>
+            <a:pPr algn="ctr"/>
+            <a:r>
+              <a:rPr lang="en-US" sz="2800" dirty="0" smtClean="0">
+                <a:solidFill>
+                  <a:schemeClr val="tx1"/>
+                </a:solidFill>
+              </a:rPr>
+              <a:t>Email</a:t>
+            </a:r>
+            <a:endParaRPr lang="en-US" sz="2800" dirty="0">
+              <a:solidFill>
+                <a:schemeClr val="tx1"/>
+              </a:solidFill>
+            </a:endParaRPr>
+          </a:p>
+        </p:txBody>
+      </p:sp>
+      <p:cxnSp>
+        <p:nvCxnSpPr>
+          <p:cNvPr id="64" name="Straight Arrow Connector 63"/>
+          <p:cNvCxnSpPr/>
+          <p:nvPr/>
+        </p:nvCxnSpPr>
+        <p:spPr>
+          <a:xfrm>
+            <a:off x="2049411" y="2482048"/>
+            <a:ext cx="606058" cy="0"/>
+          </a:xfrm>
+          <a:prstGeom prst="straightConnector1">
+            <a:avLst/>
+          </a:prstGeom>
+          <a:ln w="76200">
+            <a:solidFill>
+              <a:schemeClr val="accent6"/>
+            </a:solidFill>
+            <a:tailEnd type="triangle"/>
+          </a:ln>
+        </p:spPr>
+        <p:style>
+          <a:lnRef idx="1">
+            <a:schemeClr val="accent1"/>
+          </a:lnRef>
+          <a:fillRef idx="0">
+            <a:schemeClr val="accent1"/>
+          </a:fillRef>
+          <a:effectRef idx="0">
+            <a:schemeClr val="accent1"/>
+          </a:effectRef>
+          <a:fontRef idx="minor">
+            <a:schemeClr val="tx1"/>
+          </a:fontRef>
+        </p:style>
+      </p:cxnSp>
+      <p:cxnSp>
+        <p:nvCxnSpPr>
+          <p:cNvPr id="65" name="Straight Arrow Connector 64"/>
+          <p:cNvCxnSpPr/>
+          <p:nvPr/>
+        </p:nvCxnSpPr>
+        <p:spPr>
+          <a:xfrm>
+            <a:off x="2049411" y="3710383"/>
+            <a:ext cx="606058" cy="0"/>
+          </a:xfrm>
+          <a:prstGeom prst="straightConnector1">
+            <a:avLst/>
+          </a:prstGeom>
+          <a:ln w="76200">
+            <a:solidFill>
+              <a:schemeClr val="accent6"/>
+            </a:solidFill>
+            <a:tailEnd type="triangle"/>
+          </a:ln>
+        </p:spPr>
+        <p:style>
+          <a:lnRef idx="1">
+            <a:schemeClr val="accent1"/>
+          </a:lnRef>
+          <a:fillRef idx="0">
+            <a:schemeClr val="accent1"/>
+          </a:fillRef>
+          <a:effectRef idx="0">
+            <a:schemeClr val="accent1"/>
+          </a:effectRef>
+          <a:fontRef idx="minor">
+            <a:schemeClr val="tx1"/>
+          </a:fontRef>
+        </p:style>
+      </p:cxnSp>
+      <p:cxnSp>
+        <p:nvCxnSpPr>
+          <p:cNvPr id="66" name="Straight Arrow Connector 65"/>
+          <p:cNvCxnSpPr>
+            <a:endCxn id="57" idx="1"/>
+          </p:cNvCxnSpPr>
+          <p:nvPr/>
+        </p:nvCxnSpPr>
+        <p:spPr>
+          <a:xfrm flipH="1">
+            <a:off x="3345946" y="2805066"/>
+            <a:ext cx="10166" cy="510482"/>
+          </a:xfrm>
+          <a:prstGeom prst="straightConnector1">
+            <a:avLst/>
+          </a:prstGeom>
+          <a:ln w="76200">
+            <a:tailEnd type="triangle"/>
+          </a:ln>
+        </p:spPr>
+        <p:style>
+          <a:lnRef idx="1">
+            <a:schemeClr val="accent1"/>
+          </a:lnRef>
+          <a:fillRef idx="0">
+            <a:schemeClr val="accent1"/>
+          </a:fillRef>
+          <a:effectRef idx="0">
+            <a:schemeClr val="accent1"/>
+          </a:effectRef>
+          <a:fontRef idx="minor">
+            <a:schemeClr val="tx1"/>
+          </a:fontRef>
+        </p:style>
+      </p:cxnSp>
+      <p:cxnSp>
+        <p:nvCxnSpPr>
+          <p:cNvPr id="67" name="Straight Arrow Connector 66"/>
+          <p:cNvCxnSpPr/>
+          <p:nvPr/>
+        </p:nvCxnSpPr>
+        <p:spPr>
+          <a:xfrm>
+            <a:off x="3997680" y="2472913"/>
+            <a:ext cx="961574" cy="5872"/>
+          </a:xfrm>
+          <a:prstGeom prst="straightConnector1">
+            <a:avLst/>
+          </a:prstGeom>
+          <a:ln w="76200">
+            <a:solidFill>
+              <a:schemeClr val="accent1"/>
+            </a:solidFill>
+            <a:tailEnd type="triangle"/>
+          </a:ln>
+        </p:spPr>
+        <p:style>
+          <a:lnRef idx="1">
+            <a:schemeClr val="accent1"/>
+          </a:lnRef>
+          <a:fillRef idx="0">
+            <a:schemeClr val="accent1"/>
+          </a:fillRef>
+          <a:effectRef idx="0">
+            <a:schemeClr val="accent1"/>
+          </a:effectRef>
+          <a:fontRef idx="minor">
+            <a:schemeClr val="tx1"/>
+          </a:fontRef>
+        </p:style>
+      </p:cxnSp>
+      <p:cxnSp>
+        <p:nvCxnSpPr>
+          <p:cNvPr id="68" name="Straight Arrow Connector 67"/>
+          <p:cNvCxnSpPr/>
+          <p:nvPr/>
+        </p:nvCxnSpPr>
+        <p:spPr>
+          <a:xfrm flipV="1">
+            <a:off x="2360647" y="5378105"/>
+            <a:ext cx="457201" cy="23924"/>
+          </a:xfrm>
+          <a:prstGeom prst="straightConnector1">
+            <a:avLst/>
+          </a:prstGeom>
+          <a:ln w="76200">
+            <a:solidFill>
+              <a:srgbClr val="FF0000"/>
+            </a:solidFill>
+            <a:tailEnd type="triangle"/>
+          </a:ln>
+        </p:spPr>
+        <p:style>
+          <a:lnRef idx="1">
+            <a:schemeClr val="accent1"/>
+          </a:lnRef>
+          <a:fillRef idx="0">
+            <a:schemeClr val="accent1"/>
+          </a:fillRef>
+          <a:effectRef idx="0">
+            <a:schemeClr val="accent1"/>
+          </a:effectRef>
+          <a:fontRef idx="minor">
+            <a:schemeClr val="tx1"/>
+          </a:fontRef>
+        </p:style>
+      </p:cxnSp>
+      <p:cxnSp>
+        <p:nvCxnSpPr>
+          <p:cNvPr id="69" name="Straight Arrow Connector 68"/>
+          <p:cNvCxnSpPr/>
+          <p:nvPr/>
+        </p:nvCxnSpPr>
+        <p:spPr>
+          <a:xfrm flipV="1">
+            <a:off x="1595108" y="4467632"/>
+            <a:ext cx="0" cy="416060"/>
+          </a:xfrm>
+          <a:prstGeom prst="straightConnector1">
+            <a:avLst/>
+          </a:prstGeom>
+          <a:ln w="76200">
+            <a:solidFill>
+              <a:srgbClr val="FF0000"/>
+            </a:solidFill>
+            <a:tailEnd type="triangle"/>
+          </a:ln>
+        </p:spPr>
+        <p:style>
+          <a:lnRef idx="1">
+            <a:schemeClr val="accent1"/>
+          </a:lnRef>
+          <a:fillRef idx="0">
+            <a:schemeClr val="accent1"/>
+          </a:fillRef>
+          <a:effectRef idx="0">
+            <a:schemeClr val="accent1"/>
+          </a:effectRef>
+          <a:fontRef idx="minor">
+            <a:schemeClr val="tx1"/>
+          </a:fontRef>
+        </p:style>
+      </p:cxnSp>
+      <p:cxnSp>
+        <p:nvCxnSpPr>
+          <p:cNvPr id="70" name="Straight Arrow Connector 69"/>
+          <p:cNvCxnSpPr/>
+          <p:nvPr/>
+        </p:nvCxnSpPr>
+        <p:spPr>
+          <a:xfrm flipV="1">
+            <a:off x="2322043" y="4647119"/>
+            <a:ext cx="391438" cy="288912"/>
+          </a:xfrm>
+          <a:prstGeom prst="straightConnector1">
+            <a:avLst/>
+          </a:prstGeom>
+          <a:ln w="76200">
+            <a:solidFill>
+              <a:srgbClr val="FF0000"/>
+            </a:solidFill>
+            <a:tailEnd type="triangle"/>
+          </a:ln>
+        </p:spPr>
+        <p:style>
+          <a:lnRef idx="1">
+            <a:schemeClr val="accent1"/>
+          </a:lnRef>
+          <a:fillRef idx="0">
+            <a:schemeClr val="accent1"/>
+          </a:fillRef>
+          <a:effectRef idx="0">
+            <a:schemeClr val="accent1"/>
+          </a:effectRef>
+          <a:fontRef idx="minor">
+            <a:schemeClr val="tx1"/>
+          </a:fontRef>
+        </p:style>
+      </p:cxnSp>
+      <p:cxnSp>
+        <p:nvCxnSpPr>
+          <p:cNvPr id="71" name="Straight Connector 70"/>
+          <p:cNvCxnSpPr/>
+          <p:nvPr/>
+        </p:nvCxnSpPr>
+        <p:spPr>
+          <a:xfrm flipH="1" flipV="1">
+            <a:off x="1737491" y="627321"/>
+            <a:ext cx="1" cy="1299832"/>
+          </a:xfrm>
+          <a:prstGeom prst="line">
+            <a:avLst/>
+          </a:prstGeom>
+          <a:ln w="76200">
+            <a:solidFill>
+              <a:schemeClr val="accent6"/>
+            </a:solidFill>
+            <a:prstDash val="sysDot"/>
+          </a:ln>
+        </p:spPr>
+        <p:style>
+          <a:lnRef idx="1">
+            <a:schemeClr val="accent1"/>
+          </a:lnRef>
+          <a:fillRef idx="0">
+            <a:schemeClr val="accent1"/>
+          </a:fillRef>
+          <a:effectRef idx="0">
+            <a:schemeClr val="accent1"/>
+          </a:effectRef>
+          <a:fontRef idx="minor">
+            <a:schemeClr val="tx1"/>
+          </a:fontRef>
+        </p:style>
+      </p:cxnSp>
+      <p:cxnSp>
+        <p:nvCxnSpPr>
+          <p:cNvPr id="72" name="Straight Arrow Connector 71"/>
+          <p:cNvCxnSpPr/>
+          <p:nvPr/>
+        </p:nvCxnSpPr>
+        <p:spPr>
+          <a:xfrm>
+            <a:off x="1737491" y="627321"/>
+            <a:ext cx="1226698" cy="0"/>
+          </a:xfrm>
+          <a:prstGeom prst="straightConnector1">
+            <a:avLst/>
+          </a:prstGeom>
+          <a:ln w="76200">
+            <a:solidFill>
+              <a:schemeClr val="accent6"/>
+            </a:solidFill>
+            <a:prstDash val="sysDot"/>
+            <a:tailEnd type="triangle"/>
+          </a:ln>
+        </p:spPr>
+        <p:style>
+          <a:lnRef idx="1">
+            <a:schemeClr val="accent1"/>
+          </a:lnRef>
+          <a:fillRef idx="0">
+            <a:schemeClr val="accent1"/>
+          </a:fillRef>
+          <a:effectRef idx="0">
+            <a:schemeClr val="accent1"/>
+          </a:effectRef>
+          <a:fontRef idx="minor">
+            <a:schemeClr val="tx1"/>
+          </a:fontRef>
+        </p:style>
+      </p:cxnSp>
+      <p:cxnSp>
+        <p:nvCxnSpPr>
+          <p:cNvPr id="73" name="Straight Arrow Connector 72"/>
+          <p:cNvCxnSpPr/>
+          <p:nvPr/>
+        </p:nvCxnSpPr>
+        <p:spPr>
+          <a:xfrm>
+            <a:off x="6708456" y="2442924"/>
+            <a:ext cx="1612820" cy="1659"/>
+          </a:xfrm>
+          <a:prstGeom prst="straightConnector1">
+            <a:avLst/>
+          </a:prstGeom>
+          <a:ln w="76200">
+            <a:solidFill>
+              <a:schemeClr val="accent2"/>
+            </a:solidFill>
+            <a:prstDash val="sysDot"/>
+            <a:tailEnd type="triangle"/>
+          </a:ln>
+        </p:spPr>
+        <p:style>
+          <a:lnRef idx="1">
+            <a:schemeClr val="accent1"/>
+          </a:lnRef>
+          <a:fillRef idx="0">
+            <a:schemeClr val="accent1"/>
+          </a:fillRef>
+          <a:effectRef idx="0">
+            <a:schemeClr val="accent1"/>
+          </a:effectRef>
+          <a:fontRef idx="minor">
+            <a:schemeClr val="tx1"/>
+          </a:fontRef>
+        </p:style>
+      </p:cxnSp>
+      <p:cxnSp>
+        <p:nvCxnSpPr>
+          <p:cNvPr id="74" name="Straight Arrow Connector 73"/>
+          <p:cNvCxnSpPr/>
+          <p:nvPr/>
+        </p:nvCxnSpPr>
+        <p:spPr>
+          <a:xfrm>
+            <a:off x="738697" y="3082108"/>
+            <a:ext cx="502580" cy="1"/>
+          </a:xfrm>
+          <a:prstGeom prst="straightConnector1">
+            <a:avLst/>
+          </a:prstGeom>
+          <a:ln w="76200">
+            <a:solidFill>
+              <a:schemeClr val="accent1"/>
+            </a:solidFill>
+            <a:prstDash val="sysDot"/>
+            <a:tailEnd type="triangle"/>
+          </a:ln>
+        </p:spPr>
+        <p:style>
+          <a:lnRef idx="1">
+            <a:schemeClr val="accent1"/>
+          </a:lnRef>
+          <a:fillRef idx="0">
+            <a:schemeClr val="accent1"/>
+          </a:fillRef>
+          <a:effectRef idx="0">
+            <a:schemeClr val="accent1"/>
+          </a:effectRef>
+          <a:fontRef idx="minor">
+            <a:schemeClr val="tx1"/>
+          </a:fontRef>
+        </p:style>
+      </p:cxnSp>
+      <p:cxnSp>
+        <p:nvCxnSpPr>
+          <p:cNvPr id="75" name="Straight Arrow Connector 74"/>
+          <p:cNvCxnSpPr/>
+          <p:nvPr/>
+        </p:nvCxnSpPr>
+        <p:spPr>
+          <a:xfrm>
+            <a:off x="5677501" y="4478080"/>
+            <a:ext cx="10449" cy="652162"/>
+          </a:xfrm>
+          <a:prstGeom prst="straightConnector1">
+            <a:avLst/>
+          </a:prstGeom>
+          <a:ln w="76200">
+            <a:solidFill>
+              <a:srgbClr val="2997A1"/>
+            </a:solidFill>
+            <a:prstDash val="sysDot"/>
+            <a:tailEnd type="triangle"/>
+          </a:ln>
+        </p:spPr>
+        <p:style>
+          <a:lnRef idx="1">
+            <a:schemeClr val="accent1"/>
+          </a:lnRef>
+          <a:fillRef idx="0">
+            <a:schemeClr val="accent1"/>
+          </a:fillRef>
+          <a:effectRef idx="0">
+            <a:schemeClr val="accent1"/>
+          </a:effectRef>
+          <a:fontRef idx="minor">
+            <a:schemeClr val="tx1"/>
+          </a:fontRef>
+        </p:style>
+      </p:cxnSp>
+      <p:cxnSp>
+        <p:nvCxnSpPr>
+          <p:cNvPr id="76" name="Straight Connector 75"/>
+          <p:cNvCxnSpPr/>
+          <p:nvPr/>
+        </p:nvCxnSpPr>
+        <p:spPr>
+          <a:xfrm>
+            <a:off x="6718390" y="4755943"/>
+            <a:ext cx="0" cy="740354"/>
+          </a:xfrm>
+          <a:prstGeom prst="line">
+            <a:avLst/>
+          </a:prstGeom>
+          <a:ln w="76200">
+            <a:solidFill>
+              <a:srgbClr val="2997A1"/>
+            </a:solidFill>
+          </a:ln>
+        </p:spPr>
+        <p:style>
+          <a:lnRef idx="1">
+            <a:schemeClr val="accent1"/>
+          </a:lnRef>
+          <a:fillRef idx="0">
+            <a:schemeClr val="accent1"/>
+          </a:fillRef>
+          <a:effectRef idx="0">
+            <a:schemeClr val="accent1"/>
+          </a:effectRef>
+          <a:fontRef idx="minor">
+            <a:schemeClr val="tx1"/>
+          </a:fontRef>
+        </p:style>
+      </p:cxnSp>
+      <p:cxnSp>
+        <p:nvCxnSpPr>
+          <p:cNvPr id="77" name="Straight Connector 76"/>
+          <p:cNvCxnSpPr/>
+          <p:nvPr/>
+        </p:nvCxnSpPr>
+        <p:spPr>
+          <a:xfrm flipH="1">
+            <a:off x="6347691" y="5791071"/>
+            <a:ext cx="741399" cy="0"/>
+          </a:xfrm>
+          <a:prstGeom prst="line">
+            <a:avLst/>
+          </a:prstGeom>
+          <a:ln w="76200">
+            <a:solidFill>
+              <a:srgbClr val="2997A1"/>
+            </a:solidFill>
+          </a:ln>
+        </p:spPr>
+        <p:style>
+          <a:lnRef idx="1">
+            <a:schemeClr val="accent1"/>
+          </a:lnRef>
+          <a:fillRef idx="0">
+            <a:schemeClr val="accent1"/>
+          </a:fillRef>
+          <a:effectRef idx="0">
+            <a:schemeClr val="accent1"/>
+          </a:effectRef>
+          <a:fontRef idx="minor">
+            <a:schemeClr val="tx1"/>
+          </a:fontRef>
+        </p:style>
+      </p:cxnSp>
+      <p:cxnSp>
+        <p:nvCxnSpPr>
+          <p:cNvPr id="78" name="Straight Connector 77"/>
+          <p:cNvCxnSpPr/>
+          <p:nvPr/>
+        </p:nvCxnSpPr>
+        <p:spPr>
+          <a:xfrm flipH="1">
+            <a:off x="6251329" y="5496297"/>
+            <a:ext cx="507415" cy="0"/>
+          </a:xfrm>
+          <a:prstGeom prst="line">
+            <a:avLst/>
+          </a:prstGeom>
+          <a:ln w="76200">
+            <a:solidFill>
+              <a:srgbClr val="2997A1"/>
+            </a:solidFill>
+          </a:ln>
+        </p:spPr>
+        <p:style>
+          <a:lnRef idx="1">
+            <a:schemeClr val="accent1"/>
+          </a:lnRef>
+          <a:fillRef idx="0">
+            <a:schemeClr val="accent1"/>
+          </a:fillRef>
+          <a:effectRef idx="0">
+            <a:schemeClr val="accent1"/>
+          </a:effectRef>
+          <a:fontRef idx="minor">
+            <a:schemeClr val="tx1"/>
+          </a:fontRef>
+        </p:style>
+      </p:cxnSp>
+      <p:cxnSp>
+        <p:nvCxnSpPr>
+          <p:cNvPr id="79" name="Straight Arrow Connector 78"/>
+          <p:cNvCxnSpPr/>
+          <p:nvPr/>
+        </p:nvCxnSpPr>
+        <p:spPr>
+          <a:xfrm>
+            <a:off x="5928757" y="4482199"/>
+            <a:ext cx="10449" cy="652162"/>
+          </a:xfrm>
+          <a:prstGeom prst="straightConnector1">
+            <a:avLst/>
+          </a:prstGeom>
+          <a:ln w="76200">
+            <a:solidFill>
+              <a:srgbClr val="2997A1"/>
+            </a:solidFill>
+            <a:prstDash val="sysDot"/>
+            <a:tailEnd type="triangle"/>
+          </a:ln>
+        </p:spPr>
+        <p:style>
+          <a:lnRef idx="1">
+            <a:schemeClr val="accent1"/>
+          </a:lnRef>
+          <a:fillRef idx="0">
+            <a:schemeClr val="accent1"/>
+          </a:fillRef>
+          <a:effectRef idx="0">
+            <a:schemeClr val="accent1"/>
+          </a:effectRef>
+          <a:fontRef idx="minor">
+            <a:schemeClr val="tx1"/>
+          </a:fontRef>
+        </p:style>
+      </p:cxnSp>
+      <p:cxnSp>
+        <p:nvCxnSpPr>
+          <p:cNvPr id="80" name="Straight Arrow Connector 79"/>
+          <p:cNvCxnSpPr/>
+          <p:nvPr/>
+        </p:nvCxnSpPr>
+        <p:spPr>
+          <a:xfrm>
+            <a:off x="6204727" y="4473958"/>
+            <a:ext cx="10449" cy="652162"/>
+          </a:xfrm>
+          <a:prstGeom prst="straightConnector1">
+            <a:avLst/>
+          </a:prstGeom>
+          <a:ln w="76200">
+            <a:solidFill>
+              <a:srgbClr val="2997A1"/>
+            </a:solidFill>
+            <a:prstDash val="sysDot"/>
+            <a:tailEnd type="triangle"/>
+          </a:ln>
+        </p:spPr>
+        <p:style>
+          <a:lnRef idx="1">
+            <a:schemeClr val="accent1"/>
+          </a:lnRef>
+          <a:fillRef idx="0">
+            <a:schemeClr val="accent1"/>
+          </a:fillRef>
+          <a:effectRef idx="0">
+            <a:schemeClr val="accent1"/>
+          </a:effectRef>
+          <a:fontRef idx="minor">
+            <a:schemeClr val="tx1"/>
+          </a:fontRef>
+        </p:style>
+      </p:cxnSp>
+      <p:cxnSp>
+        <p:nvCxnSpPr>
+          <p:cNvPr id="81" name="Straight Arrow Connector 80"/>
+          <p:cNvCxnSpPr/>
+          <p:nvPr/>
+        </p:nvCxnSpPr>
+        <p:spPr>
+          <a:xfrm>
+            <a:off x="3962400" y="3766542"/>
+            <a:ext cx="447827" cy="6334"/>
+          </a:xfrm>
+          <a:prstGeom prst="straightConnector1">
+            <a:avLst/>
+          </a:prstGeom>
+          <a:ln w="76200">
+            <a:solidFill>
+              <a:srgbClr val="7030A0"/>
+            </a:solidFill>
+            <a:tailEnd type="triangle"/>
+          </a:ln>
+        </p:spPr>
+        <p:style>
+          <a:lnRef idx="1">
+            <a:schemeClr val="accent1"/>
+          </a:lnRef>
+          <a:fillRef idx="0">
+            <a:schemeClr val="accent1"/>
+          </a:fillRef>
+          <a:effectRef idx="0">
+            <a:schemeClr val="accent1"/>
+          </a:effectRef>
+          <a:fontRef idx="minor">
+            <a:schemeClr val="tx1"/>
+          </a:fontRef>
+        </p:style>
+      </p:cxnSp>
+      <p:sp>
+        <p:nvSpPr>
+          <p:cNvPr id="54" name="Rounded Rectangle 53"/>
+          <p:cNvSpPr/>
+          <p:nvPr/>
+        </p:nvSpPr>
+        <p:spPr>
+          <a:xfrm>
+            <a:off x="1265124" y="2002207"/>
+            <a:ext cx="863918" cy="2159803"/>
+          </a:xfrm>
+          <a:prstGeom prst="roundRect">
+            <a:avLst/>
+          </a:prstGeom>
+          <a:solidFill>
+            <a:schemeClr val="accent6"/>
+          </a:solidFill>
+        </p:spPr>
+        <p:style>
+          <a:lnRef idx="2">
+            <a:schemeClr val="accent1">
+              <a:shade val="50000"/>
+            </a:schemeClr>
+          </a:lnRef>
+          <a:fillRef idx="1">
+            <a:schemeClr val="accent1"/>
+          </a:fillRef>
+          <a:effectRef idx="0">
+            <a:schemeClr val="accent1"/>
+          </a:effectRef>
+          <a:fontRef idx="minor">
+            <a:schemeClr val="lt1"/>
+          </a:fontRef>
+        </p:style>
+        <p:txBody>
+          <a:bodyPr rtlCol="0" anchor="ctr"/>
+          <a:lstStyle/>
+          <a:p>
+            <a:pPr algn="ctr"/>
+            <a:r>
+              <a:rPr lang="en-US" sz="2800" dirty="0" smtClean="0">
+                <a:solidFill>
+                  <a:schemeClr val="bg1"/>
+                </a:solidFill>
+              </a:rPr>
+              <a:t>UI</a:t>
+            </a:r>
+            <a:endParaRPr lang="en-US" sz="2800" dirty="0">
+              <a:solidFill>
+                <a:schemeClr val="bg1"/>
+              </a:solidFill>
+            </a:endParaRPr>
+          </a:p>
+        </p:txBody>
+      </p:sp>
+      <p:sp>
+        <p:nvSpPr>
+          <p:cNvPr id="58" name="Rounded Rectangle 57"/>
+          <p:cNvSpPr/>
+          <p:nvPr/>
+        </p:nvSpPr>
+        <p:spPr>
+          <a:xfrm rot="5400000">
+            <a:off x="2942056" y="1764905"/>
+            <a:ext cx="833864" cy="1359356"/>
+          </a:xfrm>
+          <a:prstGeom prst="roundRect">
+            <a:avLst/>
+          </a:prstGeom>
+        </p:spPr>
+        <p:style>
+          <a:lnRef idx="2">
+            <a:schemeClr val="accent1">
+              <a:shade val="50000"/>
+            </a:schemeClr>
+          </a:lnRef>
+          <a:fillRef idx="1">
+            <a:schemeClr val="accent1"/>
+          </a:fillRef>
+          <a:effectRef idx="0">
+            <a:schemeClr val="accent1"/>
+          </a:effectRef>
+          <a:fontRef idx="minor">
+            <a:schemeClr val="lt1"/>
+          </a:fontRef>
+        </p:style>
+        <p:txBody>
+          <a:bodyPr vert="vert270" rtlCol="0" anchor="ctr"/>
+          <a:lstStyle/>
+          <a:p>
+            <a:pPr algn="ctr"/>
+            <a:r>
+              <a:rPr lang="en-US" sz="2800" dirty="0" smtClean="0">
+                <a:solidFill>
+                  <a:schemeClr val="bg1"/>
+                </a:solidFill>
+              </a:rPr>
+              <a:t>Logic</a:t>
+            </a:r>
+            <a:endParaRPr lang="en-US" sz="2800" dirty="0">
+              <a:solidFill>
+                <a:schemeClr val="bg1"/>
+              </a:solidFill>
+            </a:endParaRPr>
+          </a:p>
+        </p:txBody>
+      </p:sp>
+      <p:sp>
+        <p:nvSpPr>
+          <p:cNvPr id="61" name="Oval 60"/>
+          <p:cNvSpPr/>
+          <p:nvPr/>
+        </p:nvSpPr>
+        <p:spPr>
+          <a:xfrm>
+            <a:off x="6907715" y="5210272"/>
+            <a:ext cx="1095399" cy="994195"/>
+          </a:xfrm>
+          <a:prstGeom prst="ellipse">
+            <a:avLst/>
+          </a:prstGeom>
+          <a:solidFill>
+            <a:srgbClr val="2997A1"/>
+          </a:solidFill>
+        </p:spPr>
+        <p:style>
+          <a:lnRef idx="2">
+            <a:schemeClr val="accent1">
+              <a:shade val="50000"/>
+            </a:schemeClr>
+          </a:lnRef>
+          <a:fillRef idx="1">
+            <a:schemeClr val="accent1"/>
+          </a:fillRef>
+          <a:effectRef idx="0">
+            <a:schemeClr val="accent1"/>
+          </a:effectRef>
+          <a:fontRef idx="minor">
+            <a:schemeClr val="lt1"/>
+          </a:fontRef>
+        </p:style>
+        <p:txBody>
+          <a:bodyPr rtlCol="0" anchor="ctr"/>
+          <a:lstStyle/>
+          <a:p>
+            <a:pPr algn="ctr"/>
+            <a:r>
+              <a:rPr lang="en-US" sz="1600" dirty="0" smtClean="0"/>
+              <a:t>Logs Center</a:t>
+            </a:r>
+            <a:endParaRPr lang="en-US" sz="1600" dirty="0"/>
+          </a:p>
+        </p:txBody>
+      </p:sp>
+      <p:sp>
+        <p:nvSpPr>
+          <p:cNvPr id="63" name="Oval 62"/>
+          <p:cNvSpPr/>
+          <p:nvPr/>
+        </p:nvSpPr>
+        <p:spPr>
+          <a:xfrm>
+            <a:off x="6443039" y="3937215"/>
+            <a:ext cx="1081405" cy="1029801"/>
+          </a:xfrm>
+          <a:prstGeom prst="ellipse">
+            <a:avLst/>
+          </a:prstGeom>
+          <a:solidFill>
+            <a:srgbClr val="2997A1"/>
+          </a:solidFill>
+        </p:spPr>
+        <p:style>
+          <a:lnRef idx="2">
+            <a:schemeClr val="accent1">
+              <a:shade val="50000"/>
+            </a:schemeClr>
+          </a:lnRef>
+          <a:fillRef idx="1">
+            <a:schemeClr val="accent1"/>
+          </a:fillRef>
+          <a:effectRef idx="0">
+            <a:schemeClr val="accent1"/>
+          </a:effectRef>
+          <a:fontRef idx="minor">
+            <a:schemeClr val="lt1"/>
+          </a:fontRef>
+        </p:style>
+        <p:txBody>
+          <a:bodyPr rtlCol="0" anchor="ctr"/>
+          <a:lstStyle/>
+          <a:p>
+            <a:pPr algn="ctr"/>
+            <a:r>
+              <a:rPr lang="en-US" sz="1600" dirty="0" smtClean="0"/>
+              <a:t>Events Center</a:t>
+            </a:r>
+            <a:endParaRPr lang="en-US" sz="1600" dirty="0"/>
+          </a:p>
+        </p:txBody>
+      </p:sp>
+    </p:spTree>
+    <p:extLst>
+      <p:ext uri="{BB962C8B-B14F-4D97-AF65-F5344CB8AC3E}">
+        <p14:creationId xmlns:p14="http://schemas.microsoft.com/office/powerpoint/2010/main" val="1106562914"/>
       </p:ext>
     </p:extLst>
   </p:cSld>

--- a/docs/diagrams/ArchitectureDiagram.pptx
+++ b/docs/diagrams/ArchitectureDiagram.pptx
@@ -209,7 +209,7 @@
           <a:p>
             <a:fld id="{F5CC4B3F-88C1-4FFA-B1B6-F41C21DC6924}" type="datetimeFigureOut">
               <a:rPr lang="en-US" smtClean="0"/>
-              <a:t>10/24/17</a:t>
+              <a:t>10/27/17</a:t>
             </a:fld>
             <a:endParaRPr lang="en-US"/>
           </a:p>
@@ -658,7 +658,7 @@
           <a:p>
             <a:fld id="{78C97017-6FC3-485B-9764-EAC9E56C1D49}" type="datetimeFigureOut">
               <a:rPr lang="en-US" smtClean="0"/>
-              <a:t>10/24/17</a:t>
+              <a:t>10/27/17</a:t>
             </a:fld>
             <a:endParaRPr lang="en-US"/>
           </a:p>
@@ -828,7 +828,7 @@
           <a:p>
             <a:fld id="{78C97017-6FC3-485B-9764-EAC9E56C1D49}" type="datetimeFigureOut">
               <a:rPr lang="en-US" smtClean="0"/>
-              <a:t>10/24/17</a:t>
+              <a:t>10/27/17</a:t>
             </a:fld>
             <a:endParaRPr lang="en-US"/>
           </a:p>
@@ -1008,7 +1008,7 @@
           <a:p>
             <a:fld id="{78C97017-6FC3-485B-9764-EAC9E56C1D49}" type="datetimeFigureOut">
               <a:rPr lang="en-US" smtClean="0"/>
-              <a:t>10/24/17</a:t>
+              <a:t>10/27/17</a:t>
             </a:fld>
             <a:endParaRPr lang="en-US"/>
           </a:p>
@@ -1178,7 +1178,7 @@
           <a:p>
             <a:fld id="{78C97017-6FC3-485B-9764-EAC9E56C1D49}" type="datetimeFigureOut">
               <a:rPr lang="en-US" smtClean="0"/>
-              <a:t>10/24/17</a:t>
+              <a:t>10/27/17</a:t>
             </a:fld>
             <a:endParaRPr lang="en-US"/>
           </a:p>
@@ -1424,7 +1424,7 @@
           <a:p>
             <a:fld id="{78C97017-6FC3-485B-9764-EAC9E56C1D49}" type="datetimeFigureOut">
               <a:rPr lang="en-US" smtClean="0"/>
-              <a:t>10/24/17</a:t>
+              <a:t>10/27/17</a:t>
             </a:fld>
             <a:endParaRPr lang="en-US"/>
           </a:p>
@@ -1712,7 +1712,7 @@
           <a:p>
             <a:fld id="{78C97017-6FC3-485B-9764-EAC9E56C1D49}" type="datetimeFigureOut">
               <a:rPr lang="en-US" smtClean="0"/>
-              <a:t>10/24/17</a:t>
+              <a:t>10/27/17</a:t>
             </a:fld>
             <a:endParaRPr lang="en-US"/>
           </a:p>
@@ -2134,7 +2134,7 @@
           <a:p>
             <a:fld id="{78C97017-6FC3-485B-9764-EAC9E56C1D49}" type="datetimeFigureOut">
               <a:rPr lang="en-US" smtClean="0"/>
-              <a:t>10/24/17</a:t>
+              <a:t>10/27/17</a:t>
             </a:fld>
             <a:endParaRPr lang="en-US"/>
           </a:p>
@@ -2252,7 +2252,7 @@
           <a:p>
             <a:fld id="{78C97017-6FC3-485B-9764-EAC9E56C1D49}" type="datetimeFigureOut">
               <a:rPr lang="en-US" smtClean="0"/>
-              <a:t>10/24/17</a:t>
+              <a:t>10/27/17</a:t>
             </a:fld>
             <a:endParaRPr lang="en-US"/>
           </a:p>
@@ -2347,7 +2347,7 @@
           <a:p>
             <a:fld id="{78C97017-6FC3-485B-9764-EAC9E56C1D49}" type="datetimeFigureOut">
               <a:rPr lang="en-US" smtClean="0"/>
-              <a:t>10/24/17</a:t>
+              <a:t>10/27/17</a:t>
             </a:fld>
             <a:endParaRPr lang="en-US"/>
           </a:p>
@@ -2624,7 +2624,7 @@
           <a:p>
             <a:fld id="{78C97017-6FC3-485B-9764-EAC9E56C1D49}" type="datetimeFigureOut">
               <a:rPr lang="en-US" smtClean="0"/>
-              <a:t>10/24/17</a:t>
+              <a:t>10/27/17</a:t>
             </a:fld>
             <a:endParaRPr lang="en-US"/>
           </a:p>
@@ -2877,7 +2877,7 @@
           <a:p>
             <a:fld id="{78C97017-6FC3-485B-9764-EAC9E56C1D49}" type="datetimeFigureOut">
               <a:rPr lang="en-US" smtClean="0"/>
-              <a:t>10/24/17</a:t>
+              <a:t>10/27/17</a:t>
             </a:fld>
             <a:endParaRPr lang="en-US"/>
           </a:p>
@@ -3090,7 +3090,7 @@
           <a:p>
             <a:fld id="{78C97017-6FC3-485B-9764-EAC9E56C1D49}" type="datetimeFigureOut">
               <a:rPr lang="en-US" smtClean="0"/>
-              <a:t>10/24/17</a:t>
+              <a:t>10/27/17</a:t>
             </a:fld>
             <a:endParaRPr lang="en-US"/>
           </a:p>
@@ -6175,6 +6175,143 @@
           </a:p>
         </p:txBody>
       </p:sp>
+      <p:grpSp>
+        <p:nvGrpSpPr>
+          <p:cNvPr id="4" name="Group 3"/>
+          <p:cNvGrpSpPr/>
+          <p:nvPr/>
+        </p:nvGrpSpPr>
+        <p:grpSpPr>
+          <a:xfrm>
+            <a:off x="8336485" y="3475890"/>
+            <a:ext cx="682967" cy="468986"/>
+            <a:chOff x="8352836" y="3493414"/>
+            <a:chExt cx="682967" cy="468986"/>
+          </a:xfrm>
+        </p:grpSpPr>
+        <p:sp>
+          <p:nvSpPr>
+            <p:cNvPr id="2" name="Rectangle 1"/>
+            <p:cNvSpPr/>
+            <p:nvPr/>
+          </p:nvSpPr>
+          <p:spPr>
+            <a:xfrm>
+              <a:off x="8352836" y="3493414"/>
+              <a:ext cx="682967" cy="468986"/>
+            </a:xfrm>
+            <a:prstGeom prst="rect">
+              <a:avLst/>
+            </a:prstGeom>
+            <a:solidFill>
+              <a:srgbClr val="00B050"/>
+            </a:solidFill>
+          </p:spPr>
+          <p:style>
+            <a:lnRef idx="2">
+              <a:schemeClr val="accent1">
+                <a:shade val="50000"/>
+              </a:schemeClr>
+            </a:lnRef>
+            <a:fillRef idx="1">
+              <a:schemeClr val="accent1"/>
+            </a:fillRef>
+            <a:effectRef idx="0">
+              <a:schemeClr val="accent1"/>
+            </a:effectRef>
+            <a:fontRef idx="minor">
+              <a:schemeClr val="lt1"/>
+            </a:fontRef>
+          </p:style>
+          <p:txBody>
+            <a:bodyPr rtlCol="0" anchor="ctr"/>
+            <a:lstStyle/>
+            <a:p>
+              <a:pPr algn="ctr"/>
+              <a:endParaRPr lang="en-US"/>
+            </a:p>
+          </p:txBody>
+        </p:sp>
+        <p:sp>
+          <p:nvSpPr>
+            <p:cNvPr id="3" name="Triangle 2"/>
+            <p:cNvSpPr/>
+            <p:nvPr/>
+          </p:nvSpPr>
+          <p:spPr>
+            <a:xfrm flipV="1">
+              <a:off x="8352836" y="3493414"/>
+              <a:ext cx="682967" cy="240386"/>
+            </a:xfrm>
+            <a:prstGeom prst="triangle">
+              <a:avLst/>
+            </a:prstGeom>
+          </p:spPr>
+          <p:style>
+            <a:lnRef idx="2">
+              <a:schemeClr val="accent1">
+                <a:shade val="50000"/>
+              </a:schemeClr>
+            </a:lnRef>
+            <a:fillRef idx="1">
+              <a:schemeClr val="accent1"/>
+            </a:fillRef>
+            <a:effectRef idx="0">
+              <a:schemeClr val="accent1"/>
+            </a:effectRef>
+            <a:fontRef idx="minor">
+              <a:schemeClr val="lt1"/>
+            </a:fontRef>
+          </p:style>
+          <p:txBody>
+            <a:bodyPr rtlCol="0" anchor="ctr"/>
+            <a:lstStyle/>
+            <a:p>
+              <a:pPr algn="ctr"/>
+              <a:endParaRPr lang="en-US"/>
+            </a:p>
+          </p:txBody>
+        </p:sp>
+      </p:grpSp>
+      <p:cxnSp>
+        <p:nvCxnSpPr>
+          <p:cNvPr id="38" name="Straight Arrow Connector 37"/>
+          <p:cNvCxnSpPr>
+            <a:endCxn id="2" idx="1"/>
+          </p:cNvCxnSpPr>
+          <p:nvPr/>
+        </p:nvCxnSpPr>
+        <p:spPr>
+          <a:xfrm flipV="1">
+            <a:off x="5715000" y="3710383"/>
+            <a:ext cx="2621485" cy="24009"/>
+          </a:xfrm>
+          <a:prstGeom prst="straightConnector1">
+            <a:avLst/>
+          </a:prstGeom>
+          <a:ln w="76200">
+            <a:solidFill>
+              <a:srgbClr val="FFFF00"/>
+            </a:solidFill>
+            <a:prstDash val="sysDot"/>
+            <a:tailEnd type="triangle"/>
+          </a:ln>
+        </p:spPr>
+        <p:style>
+          <a:lnRef idx="1">
+            <a:schemeClr val="accent1"/>
+          </a:lnRef>
+          <a:fillRef idx="0">
+            <a:schemeClr val="accent1"/>
+          </a:fillRef>
+          <a:effectRef idx="0">
+            <a:schemeClr val="accent1"/>
+          </a:effectRef>
+          <a:fontRef idx="minor">
+            <a:schemeClr val="tx1"/>
+          </a:fontRef>
+        </p:style>
+      </p:cxnSp>
     </p:spTree>
     <p:extLst>
       <p:ext uri="{BB962C8B-B14F-4D97-AF65-F5344CB8AC3E}">
